--- a/Funktions_hierachiebaum.pptx
+++ b/Funktions_hierachiebaum.pptx
@@ -121,345 +121,6 @@
 </p1510:revInfo>
 </file>
 
-<file path=ppt/changesInfos/changesInfo1.xml><?xml version="1.0" encoding="utf-8"?>
-<pc:chgInfo xmlns:a="http://schemas.openxmlformats.org/drawingml/2006/main" xmlns:r="http://schemas.openxmlformats.org/officeDocument/2006/relationships" xmlns:ac="http://schemas.microsoft.com/office/drawing/2013/main/command" xmlns:pc="http://schemas.microsoft.com/office/powerpoint/2013/main/command">
-  <pc:docChgLst>
-    <pc:chgData name="Denis Silva Meira" userId="5dbdbdf7580740ff" providerId="LiveId" clId="{0FA4E63B-62B8-4FB4-8FDC-98F071D47D52}"/>
-    <pc:docChg chg="custSel delSld modSld">
-      <pc:chgData name="Denis Silva Meira" userId="5dbdbdf7580740ff" providerId="LiveId" clId="{0FA4E63B-62B8-4FB4-8FDC-98F071D47D52}" dt="2025-12-13T09:51:00.054" v="607" actId="14100"/>
-      <pc:docMkLst>
-        <pc:docMk/>
-      </pc:docMkLst>
-      <pc:sldChg chg="del">
-        <pc:chgData name="Denis Silva Meira" userId="5dbdbdf7580740ff" providerId="LiveId" clId="{0FA4E63B-62B8-4FB4-8FDC-98F071D47D52}" dt="2025-12-12T12:53:24.004" v="0" actId="2696"/>
-        <pc:sldMkLst>
-          <pc:docMk/>
-          <pc:sldMk cId="1992920479" sldId="256"/>
-        </pc:sldMkLst>
-      </pc:sldChg>
-      <pc:sldChg chg="modSp mod">
-        <pc:chgData name="Denis Silva Meira" userId="5dbdbdf7580740ff" providerId="LiveId" clId="{0FA4E63B-62B8-4FB4-8FDC-98F071D47D52}" dt="2025-12-13T09:49:47.865" v="592" actId="20577"/>
-        <pc:sldMkLst>
-          <pc:docMk/>
-          <pc:sldMk cId="849298903" sldId="257"/>
-        </pc:sldMkLst>
-        <pc:spChg chg="mod">
-          <ac:chgData name="Denis Silva Meira" userId="5dbdbdf7580740ff" providerId="LiveId" clId="{0FA4E63B-62B8-4FB4-8FDC-98F071D47D52}" dt="2025-12-13T09:49:47.865" v="592" actId="20577"/>
-          <ac:spMkLst>
-            <pc:docMk/>
-            <pc:sldMk cId="849298903" sldId="257"/>
-            <ac:spMk id="3" creationId="{C66BBB5F-A274-BF08-7DA4-755C20EFFD6E}"/>
-          </ac:spMkLst>
-        </pc:spChg>
-      </pc:sldChg>
-      <pc:sldChg chg="addSp delSp modSp mod">
-        <pc:chgData name="Denis Silva Meira" userId="5dbdbdf7580740ff" providerId="LiveId" clId="{0FA4E63B-62B8-4FB4-8FDC-98F071D47D52}" dt="2025-12-13T09:51:00.054" v="607" actId="14100"/>
-        <pc:sldMkLst>
-          <pc:docMk/>
-          <pc:sldMk cId="3730357880" sldId="258"/>
-        </pc:sldMkLst>
-        <pc:spChg chg="mod">
-          <ac:chgData name="Denis Silva Meira" userId="5dbdbdf7580740ff" providerId="LiveId" clId="{0FA4E63B-62B8-4FB4-8FDC-98F071D47D52}" dt="2025-12-13T09:46:48.468" v="370" actId="1076"/>
-          <ac:spMkLst>
-            <pc:docMk/>
-            <pc:sldMk cId="3730357880" sldId="258"/>
-            <ac:spMk id="5" creationId="{3187FA81-B37F-3F5D-5155-0660C5925B44}"/>
-          </ac:spMkLst>
-        </pc:spChg>
-        <pc:spChg chg="mod">
-          <ac:chgData name="Denis Silva Meira" userId="5dbdbdf7580740ff" providerId="LiveId" clId="{0FA4E63B-62B8-4FB4-8FDC-98F071D47D52}" dt="2025-12-13T09:46:48.468" v="370" actId="1076"/>
-          <ac:spMkLst>
-            <pc:docMk/>
-            <pc:sldMk cId="3730357880" sldId="258"/>
-            <ac:spMk id="6" creationId="{6CC2D986-4237-AE24-7BDB-491B78BD3581}"/>
-          </ac:spMkLst>
-        </pc:spChg>
-        <pc:spChg chg="del">
-          <ac:chgData name="Denis Silva Meira" userId="5dbdbdf7580740ff" providerId="LiveId" clId="{0FA4E63B-62B8-4FB4-8FDC-98F071D47D52}" dt="2025-12-13T09:36:37.144" v="12" actId="478"/>
-          <ac:spMkLst>
-            <pc:docMk/>
-            <pc:sldMk cId="3730357880" sldId="258"/>
-            <ac:spMk id="7" creationId="{478B44F2-4945-D035-D888-4C8599F1EE78}"/>
-          </ac:spMkLst>
-        </pc:spChg>
-        <pc:spChg chg="mod">
-          <ac:chgData name="Denis Silva Meira" userId="5dbdbdf7580740ff" providerId="LiveId" clId="{0FA4E63B-62B8-4FB4-8FDC-98F071D47D52}" dt="2025-12-13T09:46:48.468" v="370" actId="1076"/>
-          <ac:spMkLst>
-            <pc:docMk/>
-            <pc:sldMk cId="3730357880" sldId="258"/>
-            <ac:spMk id="8" creationId="{4F43B78F-0BA6-E822-5C21-10228E27E364}"/>
-          </ac:spMkLst>
-        </pc:spChg>
-        <pc:spChg chg="mod">
-          <ac:chgData name="Denis Silva Meira" userId="5dbdbdf7580740ff" providerId="LiveId" clId="{0FA4E63B-62B8-4FB4-8FDC-98F071D47D52}" dt="2025-12-13T09:46:48.468" v="370" actId="1076"/>
-          <ac:spMkLst>
-            <pc:docMk/>
-            <pc:sldMk cId="3730357880" sldId="258"/>
-            <ac:spMk id="9" creationId="{FD0A28A6-D262-4C8F-5881-DAFC3091664E}"/>
-          </ac:spMkLst>
-        </pc:spChg>
-        <pc:spChg chg="del mod">
-          <ac:chgData name="Denis Silva Meira" userId="5dbdbdf7580740ff" providerId="LiveId" clId="{0FA4E63B-62B8-4FB4-8FDC-98F071D47D52}" dt="2025-12-13T09:37:35.084" v="19" actId="478"/>
-          <ac:spMkLst>
-            <pc:docMk/>
-            <pc:sldMk cId="3730357880" sldId="258"/>
-            <ac:spMk id="10" creationId="{B7D74853-8452-9574-67CA-1642DFBCE7DE}"/>
-          </ac:spMkLst>
-        </pc:spChg>
-        <pc:spChg chg="del">
-          <ac:chgData name="Denis Silva Meira" userId="5dbdbdf7580740ff" providerId="LiveId" clId="{0FA4E63B-62B8-4FB4-8FDC-98F071D47D52}" dt="2025-12-13T09:37:36.960" v="22" actId="478"/>
-          <ac:spMkLst>
-            <pc:docMk/>
-            <pc:sldMk cId="3730357880" sldId="258"/>
-            <ac:spMk id="11" creationId="{1C542889-76ED-D8F6-6988-857A1B671195}"/>
-          </ac:spMkLst>
-        </pc:spChg>
-        <pc:spChg chg="del">
-          <ac:chgData name="Denis Silva Meira" userId="5dbdbdf7580740ff" providerId="LiveId" clId="{0FA4E63B-62B8-4FB4-8FDC-98F071D47D52}" dt="2025-12-13T09:37:36.452" v="21" actId="478"/>
-          <ac:spMkLst>
-            <pc:docMk/>
-            <pc:sldMk cId="3730357880" sldId="258"/>
-            <ac:spMk id="12" creationId="{FCC47784-33F9-5813-A189-0FA40682E8D0}"/>
-          </ac:spMkLst>
-        </pc:spChg>
-        <pc:spChg chg="del">
-          <ac:chgData name="Denis Silva Meira" userId="5dbdbdf7580740ff" providerId="LiveId" clId="{0FA4E63B-62B8-4FB4-8FDC-98F071D47D52}" dt="2025-12-13T09:37:35.862" v="20" actId="478"/>
-          <ac:spMkLst>
-            <pc:docMk/>
-            <pc:sldMk cId="3730357880" sldId="258"/>
-            <ac:spMk id="13" creationId="{992DA73C-5320-A31A-BA80-0D8259CC57BD}"/>
-          </ac:spMkLst>
-        </pc:spChg>
-        <pc:spChg chg="del">
-          <ac:chgData name="Denis Silva Meira" userId="5dbdbdf7580740ff" providerId="LiveId" clId="{0FA4E63B-62B8-4FB4-8FDC-98F071D47D52}" dt="2025-12-13T09:43:03.320" v="129" actId="478"/>
-          <ac:spMkLst>
-            <pc:docMk/>
-            <pc:sldMk cId="3730357880" sldId="258"/>
-            <ac:spMk id="16" creationId="{EACBE9B6-28B2-B702-7254-C498C5708EFB}"/>
-          </ac:spMkLst>
-        </pc:spChg>
-        <pc:spChg chg="del">
-          <ac:chgData name="Denis Silva Meira" userId="5dbdbdf7580740ff" providerId="LiveId" clId="{0FA4E63B-62B8-4FB4-8FDC-98F071D47D52}" dt="2025-12-13T09:43:04.051" v="130" actId="478"/>
-          <ac:spMkLst>
-            <pc:docMk/>
-            <pc:sldMk cId="3730357880" sldId="258"/>
-            <ac:spMk id="17" creationId="{2FFE64DB-D5A3-E666-F9B8-5AA61859447E}"/>
-          </ac:spMkLst>
-        </pc:spChg>
-        <pc:spChg chg="add del">
-          <ac:chgData name="Denis Silva Meira" userId="5dbdbdf7580740ff" providerId="LiveId" clId="{0FA4E63B-62B8-4FB4-8FDC-98F071D47D52}" dt="2025-12-13T09:38:04.427" v="35" actId="478"/>
-          <ac:spMkLst>
-            <pc:docMk/>
-            <pc:sldMk cId="3730357880" sldId="258"/>
-            <ac:spMk id="52" creationId="{5BDEF368-9A33-16CC-14B1-7419BDF332B1}"/>
-          </ac:spMkLst>
-        </pc:spChg>
-        <pc:spChg chg="add del mod">
-          <ac:chgData name="Denis Silva Meira" userId="5dbdbdf7580740ff" providerId="LiveId" clId="{0FA4E63B-62B8-4FB4-8FDC-98F071D47D52}" dt="2025-12-13T09:40:19.777" v="74" actId="478"/>
-          <ac:spMkLst>
-            <pc:docMk/>
-            <pc:sldMk cId="3730357880" sldId="258"/>
-            <ac:spMk id="53" creationId="{E0BB7F21-58DE-E6A7-42DA-4523787715C1}"/>
-          </ac:spMkLst>
-        </pc:spChg>
-        <pc:spChg chg="add mod">
-          <ac:chgData name="Denis Silva Meira" userId="5dbdbdf7580740ff" providerId="LiveId" clId="{0FA4E63B-62B8-4FB4-8FDC-98F071D47D52}" dt="2025-12-13T09:46:48.468" v="370" actId="1076"/>
-          <ac:spMkLst>
-            <pc:docMk/>
-            <pc:sldMk cId="3730357880" sldId="258"/>
-            <ac:spMk id="54" creationId="{8B06F666-FB77-355E-84B8-DCDF71B493D0}"/>
-          </ac:spMkLst>
-        </pc:spChg>
-        <pc:spChg chg="add mod">
-          <ac:chgData name="Denis Silva Meira" userId="5dbdbdf7580740ff" providerId="LiveId" clId="{0FA4E63B-62B8-4FB4-8FDC-98F071D47D52}" dt="2025-12-13T09:50:46.472" v="603" actId="1076"/>
-          <ac:spMkLst>
-            <pc:docMk/>
-            <pc:sldMk cId="3730357880" sldId="258"/>
-            <ac:spMk id="55" creationId="{105A720B-F707-67FE-A939-4BB62E663157}"/>
-          </ac:spMkLst>
-        </pc:spChg>
-        <pc:spChg chg="add mod">
-          <ac:chgData name="Denis Silva Meira" userId="5dbdbdf7580740ff" providerId="LiveId" clId="{0FA4E63B-62B8-4FB4-8FDC-98F071D47D52}" dt="2025-12-13T09:46:48.468" v="370" actId="1076"/>
-          <ac:spMkLst>
-            <pc:docMk/>
-            <pc:sldMk cId="3730357880" sldId="258"/>
-            <ac:spMk id="56" creationId="{143543F4-519A-A901-DF98-214AB5654AEB}"/>
-          </ac:spMkLst>
-        </pc:spChg>
-        <pc:spChg chg="add del mod">
-          <ac:chgData name="Denis Silva Meira" userId="5dbdbdf7580740ff" providerId="LiveId" clId="{0FA4E63B-62B8-4FB4-8FDC-98F071D47D52}" dt="2025-12-13T09:40:18.898" v="73" actId="478"/>
-          <ac:spMkLst>
-            <pc:docMk/>
-            <pc:sldMk cId="3730357880" sldId="258"/>
-            <ac:spMk id="57" creationId="{A5C5D591-3D20-6CE5-C580-1C8DD25A82D7}"/>
-          </ac:spMkLst>
-        </pc:spChg>
-        <pc:spChg chg="add mod">
-          <ac:chgData name="Denis Silva Meira" userId="5dbdbdf7580740ff" providerId="LiveId" clId="{0FA4E63B-62B8-4FB4-8FDC-98F071D47D52}" dt="2025-12-13T09:46:48.468" v="370" actId="1076"/>
-          <ac:spMkLst>
-            <pc:docMk/>
-            <pc:sldMk cId="3730357880" sldId="258"/>
-            <ac:spMk id="64" creationId="{96B46517-77E7-E0F0-5CCF-15282440B72D}"/>
-          </ac:spMkLst>
-        </pc:spChg>
-        <pc:spChg chg="add mod">
-          <ac:chgData name="Denis Silva Meira" userId="5dbdbdf7580740ff" providerId="LiveId" clId="{0FA4E63B-62B8-4FB4-8FDC-98F071D47D52}" dt="2025-12-13T09:47:16.582" v="428" actId="20577"/>
-          <ac:spMkLst>
-            <pc:docMk/>
-            <pc:sldMk cId="3730357880" sldId="258"/>
-            <ac:spMk id="95" creationId="{805362AF-4828-1871-1AD4-A977F63441DF}"/>
-          </ac:spMkLst>
-        </pc:spChg>
-        <pc:cxnChg chg="mod">
-          <ac:chgData name="Denis Silva Meira" userId="5dbdbdf7580740ff" providerId="LiveId" clId="{0FA4E63B-62B8-4FB4-8FDC-98F071D47D52}" dt="2025-12-13T09:42:52.838" v="126" actId="1076"/>
-          <ac:cxnSpMkLst>
-            <pc:docMk/>
-            <pc:sldMk cId="3730357880" sldId="258"/>
-            <ac:cxnSpMk id="19" creationId="{0816CE1E-98BA-F0F1-DBD5-E5524B81988F}"/>
-          </ac:cxnSpMkLst>
-        </pc:cxnChg>
-        <pc:cxnChg chg="del mod">
-          <ac:chgData name="Denis Silva Meira" userId="5dbdbdf7580740ff" providerId="LiveId" clId="{0FA4E63B-62B8-4FB4-8FDC-98F071D47D52}" dt="2025-12-13T09:36:38.110" v="13" actId="478"/>
-          <ac:cxnSpMkLst>
-            <pc:docMk/>
-            <pc:sldMk cId="3730357880" sldId="258"/>
-            <ac:cxnSpMk id="21" creationId="{1F0261C4-0875-156B-5694-A1581F2C374A}"/>
-          </ac:cxnSpMkLst>
-        </pc:cxnChg>
-        <pc:cxnChg chg="del mod">
-          <ac:chgData name="Denis Silva Meira" userId="5dbdbdf7580740ff" providerId="LiveId" clId="{0FA4E63B-62B8-4FB4-8FDC-98F071D47D52}" dt="2025-12-13T09:37:40.099" v="28" actId="478"/>
-          <ac:cxnSpMkLst>
-            <pc:docMk/>
-            <pc:sldMk cId="3730357880" sldId="258"/>
-            <ac:cxnSpMk id="23" creationId="{F1EBCF9F-A1E1-6EBF-A289-575A375E0A81}"/>
-          </ac:cxnSpMkLst>
-        </pc:cxnChg>
-        <pc:cxnChg chg="del mod">
-          <ac:chgData name="Denis Silva Meira" userId="5dbdbdf7580740ff" providerId="LiveId" clId="{0FA4E63B-62B8-4FB4-8FDC-98F071D47D52}" dt="2025-12-13T09:37:39.449" v="27" actId="478"/>
-          <ac:cxnSpMkLst>
-            <pc:docMk/>
-            <pc:sldMk cId="3730357880" sldId="258"/>
-            <ac:cxnSpMk id="25" creationId="{62C9C595-F7C1-AA72-E0C1-0C8E6D4F4DE7}"/>
-          </ac:cxnSpMkLst>
-        </pc:cxnChg>
-        <pc:cxnChg chg="del mod">
-          <ac:chgData name="Denis Silva Meira" userId="5dbdbdf7580740ff" providerId="LiveId" clId="{0FA4E63B-62B8-4FB4-8FDC-98F071D47D52}" dt="2025-12-13T09:37:38.810" v="26" actId="478"/>
-          <ac:cxnSpMkLst>
-            <pc:docMk/>
-            <pc:sldMk cId="3730357880" sldId="258"/>
-            <ac:cxnSpMk id="27" creationId="{20DFC370-8F9A-0285-4752-45B60AF65DA8}"/>
-          </ac:cxnSpMkLst>
-        </pc:cxnChg>
-        <pc:cxnChg chg="del mod">
-          <ac:chgData name="Denis Silva Meira" userId="5dbdbdf7580740ff" providerId="LiveId" clId="{0FA4E63B-62B8-4FB4-8FDC-98F071D47D52}" dt="2025-12-13T09:37:38.252" v="25" actId="478"/>
-          <ac:cxnSpMkLst>
-            <pc:docMk/>
-            <pc:sldMk cId="3730357880" sldId="258"/>
-            <ac:cxnSpMk id="29" creationId="{828BCDB1-243A-FA7C-37B4-05CCA7B33A94}"/>
-          </ac:cxnSpMkLst>
-        </pc:cxnChg>
-        <pc:cxnChg chg="del mod">
-          <ac:chgData name="Denis Silva Meira" userId="5dbdbdf7580740ff" providerId="LiveId" clId="{0FA4E63B-62B8-4FB4-8FDC-98F071D47D52}" dt="2025-12-13T09:37:37.500" v="23" actId="478"/>
-          <ac:cxnSpMkLst>
-            <pc:docMk/>
-            <pc:sldMk cId="3730357880" sldId="258"/>
-            <ac:cxnSpMk id="31" creationId="{64EDB3EA-C7EB-77DA-619C-CCD73B2B1B0B}"/>
-          </ac:cxnSpMkLst>
-        </pc:cxnChg>
-        <pc:cxnChg chg="mod">
-          <ac:chgData name="Denis Silva Meira" userId="5dbdbdf7580740ff" providerId="LiveId" clId="{0FA4E63B-62B8-4FB4-8FDC-98F071D47D52}" dt="2025-12-13T09:46:48.468" v="370" actId="1076"/>
-          <ac:cxnSpMkLst>
-            <pc:docMk/>
-            <pc:sldMk cId="3730357880" sldId="258"/>
-            <ac:cxnSpMk id="33" creationId="{298BBBC7-2396-30EF-C1D0-CE7B813B3E2A}"/>
-          </ac:cxnSpMkLst>
-        </pc:cxnChg>
-        <pc:cxnChg chg="mod">
-          <ac:chgData name="Denis Silva Meira" userId="5dbdbdf7580740ff" providerId="LiveId" clId="{0FA4E63B-62B8-4FB4-8FDC-98F071D47D52}" dt="2025-12-13T09:42:38.965" v="121" actId="14100"/>
-          <ac:cxnSpMkLst>
-            <pc:docMk/>
-            <pc:sldMk cId="3730357880" sldId="258"/>
-            <ac:cxnSpMk id="35" creationId="{EC77B619-FD95-078C-FDD8-CBE192157AE2}"/>
-          </ac:cxnSpMkLst>
-        </pc:cxnChg>
-        <pc:cxnChg chg="del mod">
-          <ac:chgData name="Denis Silva Meira" userId="5dbdbdf7580740ff" providerId="LiveId" clId="{0FA4E63B-62B8-4FB4-8FDC-98F071D47D52}" dt="2025-12-13T09:36:39.929" v="14" actId="478"/>
-          <ac:cxnSpMkLst>
-            <pc:docMk/>
-            <pc:sldMk cId="3730357880" sldId="258"/>
-            <ac:cxnSpMk id="37" creationId="{8949679E-340D-52BB-D95C-FE263EC5CB83}"/>
-          </ac:cxnSpMkLst>
-        </pc:cxnChg>
-        <pc:cxnChg chg="del mod">
-          <ac:chgData name="Denis Silva Meira" userId="5dbdbdf7580740ff" providerId="LiveId" clId="{0FA4E63B-62B8-4FB4-8FDC-98F071D47D52}" dt="2025-12-13T09:37:41.249" v="29" actId="478"/>
-          <ac:cxnSpMkLst>
-            <pc:docMk/>
-            <pc:sldMk cId="3730357880" sldId="258"/>
-            <ac:cxnSpMk id="39" creationId="{3DDF7639-B6E6-0D7F-9239-FDE4A3644298}"/>
-          </ac:cxnSpMkLst>
-        </pc:cxnChg>
-        <pc:cxnChg chg="del mod">
-          <ac:chgData name="Denis Silva Meira" userId="5dbdbdf7580740ff" providerId="LiveId" clId="{0FA4E63B-62B8-4FB4-8FDC-98F071D47D52}" dt="2025-12-13T09:37:42.171" v="30" actId="478"/>
-          <ac:cxnSpMkLst>
-            <pc:docMk/>
-            <pc:sldMk cId="3730357880" sldId="258"/>
-            <ac:cxnSpMk id="41" creationId="{D8C39F93-4482-8454-9247-7D0D1B3375F3}"/>
-          </ac:cxnSpMkLst>
-        </pc:cxnChg>
-        <pc:cxnChg chg="del mod">
-          <ac:chgData name="Denis Silva Meira" userId="5dbdbdf7580740ff" providerId="LiveId" clId="{0FA4E63B-62B8-4FB4-8FDC-98F071D47D52}" dt="2025-12-13T09:37:42.983" v="31" actId="478"/>
-          <ac:cxnSpMkLst>
-            <pc:docMk/>
-            <pc:sldMk cId="3730357880" sldId="258"/>
-            <ac:cxnSpMk id="43" creationId="{E527B373-F278-12C5-E2C6-9CD07D6FA2F2}"/>
-          </ac:cxnSpMkLst>
-        </pc:cxnChg>
-        <pc:cxnChg chg="add mod">
-          <ac:chgData name="Denis Silva Meira" userId="5dbdbdf7580740ff" providerId="LiveId" clId="{0FA4E63B-62B8-4FB4-8FDC-98F071D47D52}" dt="2025-12-13T09:50:16.985" v="594" actId="14100"/>
-          <ac:cxnSpMkLst>
-            <pc:docMk/>
-            <pc:sldMk cId="3730357880" sldId="258"/>
-            <ac:cxnSpMk id="73" creationId="{E16C0238-CE1E-DC5C-D55F-261F84A8721C}"/>
-          </ac:cxnSpMkLst>
-        </pc:cxnChg>
-        <pc:cxnChg chg="add mod">
-          <ac:chgData name="Denis Silva Meira" userId="5dbdbdf7580740ff" providerId="LiveId" clId="{0FA4E63B-62B8-4FB4-8FDC-98F071D47D52}" dt="2025-12-13T09:50:55.641" v="606" actId="14100"/>
-          <ac:cxnSpMkLst>
-            <pc:docMk/>
-            <pc:sldMk cId="3730357880" sldId="258"/>
-            <ac:cxnSpMk id="77" creationId="{5EC2CF19-3ADA-0298-65D2-9FD3732040F0}"/>
-          </ac:cxnSpMkLst>
-        </pc:cxnChg>
-        <pc:cxnChg chg="add mod">
-          <ac:chgData name="Denis Silva Meira" userId="5dbdbdf7580740ff" providerId="LiveId" clId="{0FA4E63B-62B8-4FB4-8FDC-98F071D47D52}" dt="2025-12-13T09:51:00.054" v="607" actId="14100"/>
-          <ac:cxnSpMkLst>
-            <pc:docMk/>
-            <pc:sldMk cId="3730357880" sldId="258"/>
-            <ac:cxnSpMk id="80" creationId="{F0578AFD-88D6-523D-A1D8-4F2F61733503}"/>
-          </ac:cxnSpMkLst>
-        </pc:cxnChg>
-        <pc:cxnChg chg="add mod">
-          <ac:chgData name="Denis Silva Meira" userId="5dbdbdf7580740ff" providerId="LiveId" clId="{0FA4E63B-62B8-4FB4-8FDC-98F071D47D52}" dt="2025-12-13T09:42:58.561" v="128" actId="14100"/>
-          <ac:cxnSpMkLst>
-            <pc:docMk/>
-            <pc:sldMk cId="3730357880" sldId="258"/>
-            <ac:cxnSpMk id="87" creationId="{6B2E3567-8394-8C67-71F8-E27BEF5B5DCC}"/>
-          </ac:cxnSpMkLst>
-        </pc:cxnChg>
-        <pc:cxnChg chg="add mod">
-          <ac:chgData name="Denis Silva Meira" userId="5dbdbdf7580740ff" providerId="LiveId" clId="{0FA4E63B-62B8-4FB4-8FDC-98F071D47D52}" dt="2025-12-13T09:46:48.468" v="370" actId="1076"/>
-          <ac:cxnSpMkLst>
-            <pc:docMk/>
-            <pc:sldMk cId="3730357880" sldId="258"/>
-            <ac:cxnSpMk id="92" creationId="{58317EA6-07CF-56FF-0ED2-EC9DC1F8CBFB}"/>
-          </ac:cxnSpMkLst>
-        </pc:cxnChg>
-      </pc:sldChg>
-    </pc:docChg>
-  </pc:docChgLst>
-</pc:chgInfo>
-</file>
-
 <file path=ppt/slideLayouts/slideLayout1.xml><?xml version="1.0" encoding="utf-8"?>
 <p:sldLayout xmlns:a="http://schemas.openxmlformats.org/drawingml/2006/main" xmlns:r="http://schemas.openxmlformats.org/officeDocument/2006/relationships" xmlns:p="http://schemas.openxmlformats.org/presentationml/2006/main" type="title" preserve="1">
   <p:cSld name="Title Slide">
@@ -673,7 +334,7 @@
           <a:p>
             <a:fld id="{2D9265ED-3E02-4D33-BBF1-61BB7F933016}" type="slidenum">
               <a:rPr lang="de-CH" smtClean="0"/>
-              <a:t>‹#›</a:t>
+              <a:t>‹Nr.›</a:t>
             </a:fld>
             <a:endParaRPr lang="de-CH"/>
           </a:p>
@@ -988,7 +649,7 @@
           <a:p>
             <a:fld id="{2D9265ED-3E02-4D33-BBF1-61BB7F933016}" type="slidenum">
               <a:rPr lang="de-CH" smtClean="0"/>
-              <a:t>‹#›</a:t>
+              <a:t>‹Nr.›</a:t>
             </a:fld>
             <a:endParaRPr lang="de-CH"/>
           </a:p>
@@ -1210,7 +871,7 @@
           <a:p>
             <a:fld id="{2D9265ED-3E02-4D33-BBF1-61BB7F933016}" type="slidenum">
               <a:rPr lang="de-CH" smtClean="0"/>
-              <a:t>‹#›</a:t>
+              <a:t>‹Nr.›</a:t>
             </a:fld>
             <a:endParaRPr lang="de-CH"/>
           </a:p>
@@ -1501,7 +1162,7 @@
           <a:p>
             <a:fld id="{2D9265ED-3E02-4D33-BBF1-61BB7F933016}" type="slidenum">
               <a:rPr lang="de-CH" smtClean="0"/>
-              <a:t>‹#›</a:t>
+              <a:t>‹Nr.›</a:t>
             </a:fld>
             <a:endParaRPr lang="de-CH"/>
           </a:p>
@@ -1955,7 +1616,7 @@
           <a:p>
             <a:fld id="{2D9265ED-3E02-4D33-BBF1-61BB7F933016}" type="slidenum">
               <a:rPr lang="de-CH" smtClean="0"/>
-              <a:t>‹#›</a:t>
+              <a:t>‹Nr.›</a:t>
             </a:fld>
             <a:endParaRPr lang="de-CH"/>
           </a:p>
@@ -2531,7 +2192,7 @@
           <a:p>
             <a:fld id="{2D9265ED-3E02-4D33-BBF1-61BB7F933016}" type="slidenum">
               <a:rPr lang="de-CH" smtClean="0"/>
-              <a:t>‹#›</a:t>
+              <a:t>‹Nr.›</a:t>
             </a:fld>
             <a:endParaRPr lang="de-CH"/>
           </a:p>
@@ -3392,7 +3053,7 @@
           <a:p>
             <a:fld id="{2D9265ED-3E02-4D33-BBF1-61BB7F933016}" type="slidenum">
               <a:rPr lang="de-CH" smtClean="0"/>
-              <a:t>‹#›</a:t>
+              <a:t>‹Nr.›</a:t>
             </a:fld>
             <a:endParaRPr lang="de-CH"/>
           </a:p>
@@ -3597,7 +3258,7 @@
           <a:p>
             <a:fld id="{2D9265ED-3E02-4D33-BBF1-61BB7F933016}" type="slidenum">
               <a:rPr lang="de-CH" smtClean="0"/>
-              <a:t>‹#›</a:t>
+              <a:t>‹Nr.›</a:t>
             </a:fld>
             <a:endParaRPr lang="de-CH"/>
           </a:p>
@@ -3811,7 +3472,7 @@
           <a:p>
             <a:fld id="{2D9265ED-3E02-4D33-BBF1-61BB7F933016}" type="slidenum">
               <a:rPr lang="de-CH" smtClean="0"/>
-              <a:t>‹#›</a:t>
+              <a:t>‹Nr.›</a:t>
             </a:fld>
             <a:endParaRPr lang="de-CH"/>
           </a:p>
@@ -4011,7 +3672,7 @@
           <a:p>
             <a:fld id="{2D9265ED-3E02-4D33-BBF1-61BB7F933016}" type="slidenum">
               <a:rPr lang="de-CH" smtClean="0"/>
-              <a:t>‹#›</a:t>
+              <a:t>‹Nr.›</a:t>
             </a:fld>
             <a:endParaRPr lang="de-CH"/>
           </a:p>
@@ -4216,7 +3877,7 @@
           <a:p>
             <a:fld id="{2D9265ED-3E02-4D33-BBF1-61BB7F933016}" type="slidenum">
               <a:rPr lang="de-CH" smtClean="0"/>
-              <a:t>‹#›</a:t>
+              <a:t>‹Nr.›</a:t>
             </a:fld>
             <a:endParaRPr lang="de-CH"/>
           </a:p>
@@ -4496,7 +4157,7 @@
           <a:p>
             <a:fld id="{2D9265ED-3E02-4D33-BBF1-61BB7F933016}" type="slidenum">
               <a:rPr lang="de-CH" smtClean="0"/>
-              <a:t>‹#›</a:t>
+              <a:t>‹Nr.›</a:t>
             </a:fld>
             <a:endParaRPr lang="de-CH"/>
           </a:p>
@@ -4763,7 +4424,7 @@
           <a:p>
             <a:fld id="{2D9265ED-3E02-4D33-BBF1-61BB7F933016}" type="slidenum">
               <a:rPr lang="de-CH" smtClean="0"/>
-              <a:t>‹#›</a:t>
+              <a:t>‹Nr.›</a:t>
             </a:fld>
             <a:endParaRPr lang="de-CH"/>
           </a:p>
@@ -5178,7 +4839,7 @@
           <a:p>
             <a:fld id="{2D9265ED-3E02-4D33-BBF1-61BB7F933016}" type="slidenum">
               <a:rPr lang="de-CH" smtClean="0"/>
-              <a:t>‹#›</a:t>
+              <a:t>‹Nr.›</a:t>
             </a:fld>
             <a:endParaRPr lang="de-CH"/>
           </a:p>
@@ -5326,7 +4987,7 @@
           <a:p>
             <a:fld id="{2D9265ED-3E02-4D33-BBF1-61BB7F933016}" type="slidenum">
               <a:rPr lang="de-CH" smtClean="0"/>
-              <a:t>‹#›</a:t>
+              <a:t>‹Nr.›</a:t>
             </a:fld>
             <a:endParaRPr lang="de-CH"/>
           </a:p>
@@ -5451,7 +5112,7 @@
           <a:p>
             <a:fld id="{2D9265ED-3E02-4D33-BBF1-61BB7F933016}" type="slidenum">
               <a:rPr lang="de-CH" smtClean="0"/>
-              <a:t>‹#›</a:t>
+              <a:t>‹Nr.›</a:t>
             </a:fld>
             <a:endParaRPr lang="de-CH"/>
           </a:p>
@@ -5730,7 +5391,7 @@
           <a:p>
             <a:fld id="{2D9265ED-3E02-4D33-BBF1-61BB7F933016}" type="slidenum">
               <a:rPr lang="de-CH" smtClean="0"/>
-              <a:t>‹#›</a:t>
+              <a:t>‹Nr.›</a:t>
             </a:fld>
             <a:endParaRPr lang="de-CH"/>
           </a:p>
@@ -6045,7 +5706,7 @@
           <a:p>
             <a:fld id="{2D9265ED-3E02-4D33-BBF1-61BB7F933016}" type="slidenum">
               <a:rPr lang="de-CH" smtClean="0"/>
-              <a:t>‹#›</a:t>
+              <a:t>‹Nr.›</a:t>
             </a:fld>
             <a:endParaRPr lang="de-CH"/>
           </a:p>
@@ -6330,7 +5991,7 @@
           <a:p>
             <a:fld id="{2D9265ED-3E02-4D33-BBF1-61BB7F933016}" type="slidenum">
               <a:rPr lang="de-CH" smtClean="0"/>
-              <a:t>‹#›</a:t>
+              <a:t>‹Nr.›</a:t>
             </a:fld>
             <a:endParaRPr lang="de-CH"/>
           </a:p>
@@ -7500,7 +7161,7 @@
         </p:spPr>
         <p:txBody>
           <a:bodyPr>
-            <a:normAutofit fontScale="62500" lnSpcReduction="20000"/>
+            <a:normAutofit fontScale="47500" lnSpcReduction="20000"/>
           </a:bodyPr>
           <a:lstStyle/>
           <a:p>
@@ -7548,9 +7209,12 @@
           <a:p>
             <a:r>
               <a:rPr lang="de-CH" sz="1800" b="1" dirty="0" err="1"/>
-              <a:t>str,str,str,float,float,float,float,float,float</a:t>
-            </a:r>
-            <a:endParaRPr lang="de-CH" sz="1800" b="1" dirty="0"/>
+              <a:t>str,str,FLOAT,str,float,float,float,float,float</a:t>
+            </a:r>
+            <a:r>
+              <a:rPr lang="de-CH" sz="1800" b="1" dirty="0"/>
+              <a:t>,</a:t>
+            </a:r>
           </a:p>
           <a:p>
             <a:r>
@@ -7574,7 +7238,7 @@
             <a:pPr lvl="1"/>
             <a:r>
               <a:rPr lang="de-CH" sz="1800" dirty="0"/>
-              <a:t>Mustermann,Max,Montag,100,08.00,12.00,13.00,17.00, </a:t>
+              <a:t>Mustermann,Max,100,Montag,08.00,12.00,13.00,17.00, </a:t>
             </a:r>
             <a:r>
               <a:rPr lang="de-CH" dirty="0"/>
@@ -7586,7 +7250,7 @@
             <a:pPr lvl="1"/>
             <a:r>
               <a:rPr lang="de-CH" sz="1800" dirty="0"/>
-              <a:t>Musterfrau,Maxine,Dienstag,80,08.00,12.00,13.00,17.00</a:t>
+              <a:t>Musterfrau,Maxine,80,Dienstag,08.00,12.00,13.00,17.00</a:t>
             </a:r>
             <a:r>
               <a:rPr lang="de-CH" dirty="0"/>
@@ -7610,43 +7274,71 @@
           <a:p>
             <a:pPr lvl="1"/>
             <a:r>
-              <a:rPr lang="de-CH" sz="1800" dirty="0"/>
+              <a:rPr lang="de-CH" sz="1600" dirty="0"/>
+              <a:t>Warnung bei Wochenendarbeit!</a:t>
+            </a:r>
+          </a:p>
+          <a:p>
+            <a:pPr lvl="1"/>
+            <a:r>
+              <a:rPr lang="de-CH" sz="1600" dirty="0"/>
+              <a:t>Komplette eingelesene Datenstruktur</a:t>
+            </a:r>
+          </a:p>
+          <a:p>
+            <a:pPr lvl="1"/>
+            <a:r>
+              <a:rPr lang="de-CH" sz="1600" dirty="0"/>
+              <a:t>Übersicht</a:t>
+            </a:r>
+          </a:p>
+          <a:p>
+            <a:pPr lvl="2"/>
+            <a:r>
+              <a:rPr lang="de-CH" dirty="0"/>
               <a:t>Nachname, Vorname, Pensum</a:t>
             </a:r>
           </a:p>
           <a:p>
-            <a:pPr lvl="1"/>
-            <a:r>
-              <a:rPr lang="de-CH" sz="1800" dirty="0"/>
+            <a:pPr lvl="2"/>
+            <a:r>
+              <a:rPr lang="de-CH" dirty="0"/>
               <a:t>Effektivstunden</a:t>
             </a:r>
           </a:p>
           <a:p>
-            <a:pPr lvl="1"/>
-            <a:r>
-              <a:rPr lang="de-CH" sz="1800" dirty="0"/>
-              <a:t>Überstunden</a:t>
-            </a:r>
-          </a:p>
-          <a:p>
-            <a:pPr lvl="1"/>
-            <a:r>
-              <a:rPr lang="de-CH" sz="1800" dirty="0"/>
-              <a:t>Minusstunden</a:t>
-            </a:r>
-          </a:p>
-          <a:p>
-            <a:pPr lvl="1"/>
-            <a:r>
-              <a:rPr lang="de-CH" sz="1800" dirty="0"/>
+            <a:pPr lvl="2"/>
+            <a:r>
+              <a:rPr lang="de-CH" dirty="0"/>
+              <a:t>Soll-stunden</a:t>
+            </a:r>
+          </a:p>
+          <a:p>
+            <a:pPr lvl="2"/>
+            <a:r>
+              <a:rPr lang="de-CH" dirty="0"/>
+              <a:t>Differenz-zeit</a:t>
+            </a:r>
+          </a:p>
+          <a:p>
+            <a:pPr lvl="2"/>
+            <a:r>
+              <a:rPr lang="de-CH" dirty="0"/>
+              <a:t>Pausen-Stunden</a:t>
+            </a:r>
+          </a:p>
+          <a:p>
+            <a:pPr lvl="2"/>
+            <a:r>
+              <a:rPr lang="de-CH" dirty="0"/>
               <a:t>Vertragsbedingungen eingehalten?</a:t>
             </a:r>
           </a:p>
           <a:p>
-            <a:pPr lvl="1"/>
-            <a:r>
-              <a:rPr lang="de-CH" sz="1800" dirty="0"/>
-              <a:t>Vertragsbedingungsverletzung?</a:t>
+            <a:pPr lvl="2"/>
+            <a:r>
+              <a:rPr lang="de-CH" dirty="0"/>
+              <a:t>Begründung der Vertrags-Verletzung</a:t>
             </a:r>
           </a:p>
           <a:p>

--- a/Funktions_hierachiebaum.pptx
+++ b/Funktions_hierachiebaum.pptx
@@ -119,6 +119,35 @@
     <p1510:client id="{6B0747DF-17E6-40FC-9146-051694ECF824}" v="23" dt="2025-12-13T09:49:34.124"/>
   </p1510:revLst>
 </p1510:revInfo>
+</file>
+
+<file path=ppt/changesInfos/changesInfo1.xml><?xml version="1.0" encoding="utf-8"?>
+<pc:chgInfo xmlns:a="http://schemas.openxmlformats.org/drawingml/2006/main" xmlns:r="http://schemas.openxmlformats.org/officeDocument/2006/relationships" xmlns:ac="http://schemas.microsoft.com/office/drawing/2013/main/command" xmlns:pc="http://schemas.microsoft.com/office/powerpoint/2013/main/command">
+  <pc:docChgLst>
+    <pc:chgData name="Mehmedali Abdiu (s)" userId="6ba2def0-b9b1-4049-863c-8bfc2eb26721" providerId="ADAL" clId="{45502CF0-928D-44D5-8886-D139521CFA9E}"/>
+    <pc:docChg chg="custSel modSld">
+      <pc:chgData name="Mehmedali Abdiu (s)" userId="6ba2def0-b9b1-4049-863c-8bfc2eb26721" providerId="ADAL" clId="{45502CF0-928D-44D5-8886-D139521CFA9E}" dt="2025-12-13T13:03:22.616" v="3" actId="478"/>
+      <pc:docMkLst>
+        <pc:docMk/>
+      </pc:docMkLst>
+      <pc:sldChg chg="addSp delSp modSp mod">
+        <pc:chgData name="Mehmedali Abdiu (s)" userId="6ba2def0-b9b1-4049-863c-8bfc2eb26721" providerId="ADAL" clId="{45502CF0-928D-44D5-8886-D139521CFA9E}" dt="2025-12-13T13:03:22.616" v="3" actId="478"/>
+        <pc:sldMkLst>
+          <pc:docMk/>
+          <pc:sldMk cId="849298903" sldId="257"/>
+        </pc:sldMkLst>
+        <pc:picChg chg="add del mod">
+          <ac:chgData name="Mehmedali Abdiu (s)" userId="6ba2def0-b9b1-4049-863c-8bfc2eb26721" providerId="ADAL" clId="{45502CF0-928D-44D5-8886-D139521CFA9E}" dt="2025-12-13T13:03:22.616" v="3" actId="478"/>
+          <ac:picMkLst>
+            <pc:docMk/>
+            <pc:sldMk cId="849298903" sldId="257"/>
+            <ac:picMk id="4" creationId="{B75A49A3-0ECB-4F4F-3C83-7B9371745313}"/>
+          </ac:picMkLst>
+        </pc:picChg>
+      </pc:sldChg>
+    </pc:docChg>
+  </pc:docChgLst>
+</pc:chgInfo>
 </file>
 
 <file path=ppt/slideLayouts/slideLayout1.xml><?xml version="1.0" encoding="utf-8"?>

--- a/Funktions_hierachiebaum.pptx
+++ b/Funktions_hierachiebaum.pptx
@@ -2,7 +2,7 @@
 <file path=ppt/presentation.xml><?xml version="1.0" encoding="utf-8"?>
 <p:presentation xmlns:a="http://schemas.openxmlformats.org/drawingml/2006/main" xmlns:r="http://schemas.openxmlformats.org/officeDocument/2006/relationships" xmlns:p="http://schemas.openxmlformats.org/presentationml/2006/main" saveSubsetFonts="1">
   <p:sldMasterIdLst>
-    <p:sldMasterId id="2147483679" r:id="rId1"/>
+    <p:sldMasterId id="2147483698" r:id="rId1"/>
   </p:sldMasterIdLst>
   <p:sldIdLst>
     <p:sldId id="258" r:id="rId2"/>
@@ -116,7 +116,7 @@
 <file path=ppt/revisionInfo.xml><?xml version="1.0" encoding="utf-8"?>
 <p1510:revInfo xmlns:a="http://schemas.openxmlformats.org/drawingml/2006/main" xmlns:r="http://schemas.openxmlformats.org/officeDocument/2006/relationships" xmlns:p1510="http://schemas.microsoft.com/office/powerpoint/2015/10/main">
   <p1510:revLst>
-    <p1510:client id="{6B0747DF-17E6-40FC-9146-051694ECF824}" v="23" dt="2025-12-13T09:49:34.124"/>
+    <p1510:client id="{6B0747DF-17E6-40FC-9146-051694ECF824}" v="24" dt="2025-12-14T14:03:46.871"/>
   </p1510:revLst>
 </p1510:revInfo>
 </file>
@@ -144,6 +144,30 @@
             <ac:picMk id="4" creationId="{B75A49A3-0ECB-4F4F-3C83-7B9371745313}"/>
           </ac:picMkLst>
         </pc:picChg>
+      </pc:sldChg>
+    </pc:docChg>
+  </pc:docChgLst>
+  <pc:docChgLst>
+    <pc:chgData name="Denis Silva Meira" userId="5dbdbdf7580740ff" providerId="LiveId" clId="{0FA4E63B-62B8-4FB4-8FDC-98F071D47D52}"/>
+    <pc:docChg chg="custSel modSld">
+      <pc:chgData name="Denis Silva Meira" userId="5dbdbdf7580740ff" providerId="LiveId" clId="{0FA4E63B-62B8-4FB4-8FDC-98F071D47D52}" dt="2025-12-14T14:03:53.834" v="0" actId="478"/>
+      <pc:docMkLst>
+        <pc:docMk/>
+      </pc:docMkLst>
+      <pc:sldChg chg="delSp modSp mod">
+        <pc:chgData name="Denis Silva Meira" userId="5dbdbdf7580740ff" providerId="LiveId" clId="{0FA4E63B-62B8-4FB4-8FDC-98F071D47D52}" dt="2025-12-14T14:03:53.834" v="0" actId="478"/>
+        <pc:sldMkLst>
+          <pc:docMk/>
+          <pc:sldMk cId="3730357880" sldId="258"/>
+        </pc:sldMkLst>
+        <pc:cxnChg chg="del mod">
+          <ac:chgData name="Denis Silva Meira" userId="5dbdbdf7580740ff" providerId="LiveId" clId="{0FA4E63B-62B8-4FB4-8FDC-98F071D47D52}" dt="2025-12-14T14:03:53.834" v="0" actId="478"/>
+          <ac:cxnSpMkLst>
+            <pc:docMk/>
+            <pc:sldMk cId="3730357880" sldId="258"/>
+            <ac:cxnSpMk id="92" creationId="{58317EA6-07CF-56FF-0ED2-EC9DC1F8CBFB}"/>
+          </ac:cxnSpMkLst>
+        </pc:cxnChg>
       </pc:sldChg>
     </pc:docChg>
   </pc:docChgLst>
@@ -321,7 +345,7 @@
           <a:p>
             <a:fld id="{84F5F873-595F-43C1-AD02-E65AEE3A159F}" type="datetimeFigureOut">
               <a:rPr lang="de-CH" smtClean="0"/>
-              <a:t>13.12.2025</a:t>
+              <a:t>14.12.2025</a:t>
             </a:fld>
             <a:endParaRPr lang="de-CH"/>
           </a:p>
@@ -363,7 +387,7 @@
           <a:p>
             <a:fld id="{2D9265ED-3E02-4D33-BBF1-61BB7F933016}" type="slidenum">
               <a:rPr lang="de-CH" smtClean="0"/>
-              <a:t>‹Nr.›</a:t>
+              <a:t>‹#›</a:t>
             </a:fld>
             <a:endParaRPr lang="de-CH"/>
           </a:p>
@@ -372,7 +396,7 @@
     </p:spTree>
     <p:extLst>
       <p:ext uri="{BB962C8B-B14F-4D97-AF65-F5344CB8AC3E}">
-        <p14:creationId xmlns:p14="http://schemas.microsoft.com/office/powerpoint/2010/main" val="3691812236"/>
+        <p14:creationId xmlns:p14="http://schemas.microsoft.com/office/powerpoint/2010/main" val="1043605885"/>
       </p:ext>
     </p:extLst>
   </p:cSld>
@@ -484,10 +508,7 @@
           <a:noFill/>
           <a:ln w="82550" cap="sq">
             <a:solidFill>
-              <a:schemeClr val="bg2">
-                <a:lumMod val="60000"/>
-                <a:lumOff val="40000"/>
-              </a:schemeClr>
+              <a:srgbClr val="EAEAEA"/>
             </a:solidFill>
             <a:miter lim="800000"/>
           </a:ln>
@@ -636,7 +657,7 @@
           <a:p>
             <a:fld id="{84F5F873-595F-43C1-AD02-E65AEE3A159F}" type="datetimeFigureOut">
               <a:rPr lang="de-CH" smtClean="0"/>
-              <a:t>13.12.2025</a:t>
+              <a:t>14.12.2025</a:t>
             </a:fld>
             <a:endParaRPr lang="de-CH"/>
           </a:p>
@@ -678,7 +699,7 @@
           <a:p>
             <a:fld id="{2D9265ED-3E02-4D33-BBF1-61BB7F933016}" type="slidenum">
               <a:rPr lang="de-CH" smtClean="0"/>
-              <a:t>‹Nr.›</a:t>
+              <a:t>‹#›</a:t>
             </a:fld>
             <a:endParaRPr lang="de-CH"/>
           </a:p>
@@ -687,7 +708,7 @@
     </p:spTree>
     <p:extLst>
       <p:ext uri="{BB962C8B-B14F-4D97-AF65-F5344CB8AC3E}">
-        <p14:creationId xmlns:p14="http://schemas.microsoft.com/office/powerpoint/2010/main" val="2959094174"/>
+        <p14:creationId xmlns:p14="http://schemas.microsoft.com/office/powerpoint/2010/main" val="2950691074"/>
       </p:ext>
     </p:extLst>
   </p:cSld>
@@ -858,7 +879,7 @@
           <a:p>
             <a:fld id="{84F5F873-595F-43C1-AD02-E65AEE3A159F}" type="datetimeFigureOut">
               <a:rPr lang="de-CH" smtClean="0"/>
-              <a:t>13.12.2025</a:t>
+              <a:t>14.12.2025</a:t>
             </a:fld>
             <a:endParaRPr lang="de-CH"/>
           </a:p>
@@ -900,7 +921,7 @@
           <a:p>
             <a:fld id="{2D9265ED-3E02-4D33-BBF1-61BB7F933016}" type="slidenum">
               <a:rPr lang="de-CH" smtClean="0"/>
-              <a:t>‹Nr.›</a:t>
+              <a:t>‹#›</a:t>
             </a:fld>
             <a:endParaRPr lang="de-CH"/>
           </a:p>
@@ -909,7 +930,7 @@
     </p:spTree>
     <p:extLst>
       <p:ext uri="{BB962C8B-B14F-4D97-AF65-F5344CB8AC3E}">
-        <p14:creationId xmlns:p14="http://schemas.microsoft.com/office/powerpoint/2010/main" val="3705034871"/>
+        <p14:creationId xmlns:p14="http://schemas.microsoft.com/office/powerpoint/2010/main" val="3926721380"/>
       </p:ext>
     </p:extLst>
   </p:cSld>
@@ -1149,7 +1170,7 @@
           <a:p>
             <a:fld id="{84F5F873-595F-43C1-AD02-E65AEE3A159F}" type="datetimeFigureOut">
               <a:rPr lang="de-CH" smtClean="0"/>
-              <a:t>13.12.2025</a:t>
+              <a:t>14.12.2025</a:t>
             </a:fld>
             <a:endParaRPr lang="de-CH"/>
           </a:p>
@@ -1191,7 +1212,7 @@
           <a:p>
             <a:fld id="{2D9265ED-3E02-4D33-BBF1-61BB7F933016}" type="slidenum">
               <a:rPr lang="de-CH" smtClean="0"/>
-              <a:t>‹Nr.›</a:t>
+              <a:t>‹#›</a:t>
             </a:fld>
             <a:endParaRPr lang="de-CH"/>
           </a:p>
@@ -1432,7 +1453,7 @@
     </p:spTree>
     <p:extLst>
       <p:ext uri="{BB962C8B-B14F-4D97-AF65-F5344CB8AC3E}">
-        <p14:creationId xmlns:p14="http://schemas.microsoft.com/office/powerpoint/2010/main" val="3788422493"/>
+        <p14:creationId xmlns:p14="http://schemas.microsoft.com/office/powerpoint/2010/main" val="3278390050"/>
       </p:ext>
     </p:extLst>
   </p:cSld>
@@ -1603,7 +1624,7 @@
           <a:p>
             <a:fld id="{84F5F873-595F-43C1-AD02-E65AEE3A159F}" type="datetimeFigureOut">
               <a:rPr lang="de-CH" smtClean="0"/>
-              <a:t>13.12.2025</a:t>
+              <a:t>14.12.2025</a:t>
             </a:fld>
             <a:endParaRPr lang="de-CH"/>
           </a:p>
@@ -1645,7 +1666,7 @@
           <a:p>
             <a:fld id="{2D9265ED-3E02-4D33-BBF1-61BB7F933016}" type="slidenum">
               <a:rPr lang="de-CH" smtClean="0"/>
-              <a:t>‹Nr.›</a:t>
+              <a:t>‹#›</a:t>
             </a:fld>
             <a:endParaRPr lang="de-CH"/>
           </a:p>
@@ -1654,7 +1675,7 @@
     </p:spTree>
     <p:extLst>
       <p:ext uri="{BB962C8B-B14F-4D97-AF65-F5344CB8AC3E}">
-        <p14:creationId xmlns:p14="http://schemas.microsoft.com/office/powerpoint/2010/main" val="2123043311"/>
+        <p14:creationId xmlns:p14="http://schemas.microsoft.com/office/powerpoint/2010/main" val="2608364088"/>
       </p:ext>
     </p:extLst>
   </p:cSld>
@@ -2179,7 +2200,7 @@
           <a:p>
             <a:fld id="{84F5F873-595F-43C1-AD02-E65AEE3A159F}" type="datetimeFigureOut">
               <a:rPr lang="de-CH" smtClean="0"/>
-              <a:t>13.12.2025</a:t>
+              <a:t>14.12.2025</a:t>
             </a:fld>
             <a:endParaRPr lang="de-CH"/>
           </a:p>
@@ -2221,7 +2242,7 @@
           <a:p>
             <a:fld id="{2D9265ED-3E02-4D33-BBF1-61BB7F933016}" type="slidenum">
               <a:rPr lang="de-CH" smtClean="0"/>
-              <a:t>‹Nr.›</a:t>
+              <a:t>‹#›</a:t>
             </a:fld>
             <a:endParaRPr lang="de-CH"/>
           </a:p>
@@ -2230,7 +2251,7 @@
     </p:spTree>
     <p:extLst>
       <p:ext uri="{BB962C8B-B14F-4D97-AF65-F5344CB8AC3E}">
-        <p14:creationId xmlns:p14="http://schemas.microsoft.com/office/powerpoint/2010/main" val="66276984"/>
+        <p14:creationId xmlns:p14="http://schemas.microsoft.com/office/powerpoint/2010/main" val="4096823880"/>
       </p:ext>
     </p:extLst>
   </p:cSld>
@@ -2412,10 +2433,7 @@
           <a:noFill/>
           <a:ln w="82550" cap="sq">
             <a:solidFill>
-              <a:schemeClr val="bg2">
-                <a:lumMod val="60000"/>
-                <a:lumOff val="40000"/>
-              </a:schemeClr>
+              <a:srgbClr val="EAEAEA"/>
             </a:solidFill>
             <a:miter lim="800000"/>
           </a:ln>
@@ -2648,10 +2666,7 @@
           <a:noFill/>
           <a:ln w="82550" cap="sq">
             <a:solidFill>
-              <a:schemeClr val="bg2">
-                <a:lumMod val="60000"/>
-                <a:lumOff val="40000"/>
-              </a:schemeClr>
+              <a:srgbClr val="EAEAEA"/>
             </a:solidFill>
             <a:miter lim="800000"/>
           </a:ln>
@@ -2884,10 +2899,7 @@
           <a:noFill/>
           <a:ln w="82550" cap="sq">
             <a:solidFill>
-              <a:schemeClr val="bg2">
-                <a:lumMod val="60000"/>
-                <a:lumOff val="40000"/>
-              </a:schemeClr>
+              <a:srgbClr val="EAEAEA"/>
             </a:solidFill>
             <a:miter lim="800000"/>
           </a:ln>
@@ -3040,7 +3052,7 @@
           <a:p>
             <a:fld id="{84F5F873-595F-43C1-AD02-E65AEE3A159F}" type="datetimeFigureOut">
               <a:rPr lang="de-CH" smtClean="0"/>
-              <a:t>13.12.2025</a:t>
+              <a:t>14.12.2025</a:t>
             </a:fld>
             <a:endParaRPr lang="de-CH"/>
           </a:p>
@@ -3082,7 +3094,7 @@
           <a:p>
             <a:fld id="{2D9265ED-3E02-4D33-BBF1-61BB7F933016}" type="slidenum">
               <a:rPr lang="de-CH" smtClean="0"/>
-              <a:t>‹Nr.›</a:t>
+              <a:t>‹#›</a:t>
             </a:fld>
             <a:endParaRPr lang="de-CH"/>
           </a:p>
@@ -3091,7 +3103,7 @@
     </p:spTree>
     <p:extLst>
       <p:ext uri="{BB962C8B-B14F-4D97-AF65-F5344CB8AC3E}">
-        <p14:creationId xmlns:p14="http://schemas.microsoft.com/office/powerpoint/2010/main" val="2620744136"/>
+        <p14:creationId xmlns:p14="http://schemas.microsoft.com/office/powerpoint/2010/main" val="691798779"/>
       </p:ext>
     </p:extLst>
   </p:cSld>
@@ -3245,7 +3257,7 @@
           <a:p>
             <a:fld id="{84F5F873-595F-43C1-AD02-E65AEE3A159F}" type="datetimeFigureOut">
               <a:rPr lang="de-CH" smtClean="0"/>
-              <a:t>13.12.2025</a:t>
+              <a:t>14.12.2025</a:t>
             </a:fld>
             <a:endParaRPr lang="de-CH"/>
           </a:p>
@@ -3287,7 +3299,7 @@
           <a:p>
             <a:fld id="{2D9265ED-3E02-4D33-BBF1-61BB7F933016}" type="slidenum">
               <a:rPr lang="de-CH" smtClean="0"/>
-              <a:t>‹Nr.›</a:t>
+              <a:t>‹#›</a:t>
             </a:fld>
             <a:endParaRPr lang="de-CH"/>
           </a:p>
@@ -3296,7 +3308,7 @@
     </p:spTree>
     <p:extLst>
       <p:ext uri="{BB962C8B-B14F-4D97-AF65-F5344CB8AC3E}">
-        <p14:creationId xmlns:p14="http://schemas.microsoft.com/office/powerpoint/2010/main" val="1609240528"/>
+        <p14:creationId xmlns:p14="http://schemas.microsoft.com/office/powerpoint/2010/main" val="3754079726"/>
       </p:ext>
     </p:extLst>
   </p:cSld>
@@ -3459,7 +3471,7 @@
           <a:p>
             <a:fld id="{84F5F873-595F-43C1-AD02-E65AEE3A159F}" type="datetimeFigureOut">
               <a:rPr lang="de-CH" smtClean="0"/>
-              <a:t>13.12.2025</a:t>
+              <a:t>14.12.2025</a:t>
             </a:fld>
             <a:endParaRPr lang="de-CH"/>
           </a:p>
@@ -3501,7 +3513,7 @@
           <a:p>
             <a:fld id="{2D9265ED-3E02-4D33-BBF1-61BB7F933016}" type="slidenum">
               <a:rPr lang="de-CH" smtClean="0"/>
-              <a:t>‹Nr.›</a:t>
+              <a:t>‹#›</a:t>
             </a:fld>
             <a:endParaRPr lang="de-CH"/>
           </a:p>
@@ -3510,7 +3522,7 @@
     </p:spTree>
     <p:extLst>
       <p:ext uri="{BB962C8B-B14F-4D97-AF65-F5344CB8AC3E}">
-        <p14:creationId xmlns:p14="http://schemas.microsoft.com/office/powerpoint/2010/main" val="3870475783"/>
+        <p14:creationId xmlns:p14="http://schemas.microsoft.com/office/powerpoint/2010/main" val="1735914835"/>
       </p:ext>
     </p:extLst>
   </p:cSld>
@@ -3647,7 +3659,7 @@
           <a:p>
             <a:fld id="{84F5F873-595F-43C1-AD02-E65AEE3A159F}" type="datetimeFigureOut">
               <a:rPr lang="de-CH" smtClean="0"/>
-              <a:t>13.12.2025</a:t>
+              <a:t>14.12.2025</a:t>
             </a:fld>
             <a:endParaRPr lang="de-CH"/>
           </a:p>
@@ -3701,7 +3713,7 @@
           <a:p>
             <a:fld id="{2D9265ED-3E02-4D33-BBF1-61BB7F933016}" type="slidenum">
               <a:rPr lang="de-CH" smtClean="0"/>
-              <a:t>‹Nr.›</a:t>
+              <a:t>‹#›</a:t>
             </a:fld>
             <a:endParaRPr lang="de-CH"/>
           </a:p>
@@ -3710,7 +3722,7 @@
     </p:spTree>
     <p:extLst>
       <p:ext uri="{BB962C8B-B14F-4D97-AF65-F5344CB8AC3E}">
-        <p14:creationId xmlns:p14="http://schemas.microsoft.com/office/powerpoint/2010/main" val="2748275613"/>
+        <p14:creationId xmlns:p14="http://schemas.microsoft.com/office/powerpoint/2010/main" val="2446893802"/>
       </p:ext>
     </p:extLst>
   </p:cSld>
@@ -3864,7 +3876,7 @@
           <a:p>
             <a:fld id="{84F5F873-595F-43C1-AD02-E65AEE3A159F}" type="datetimeFigureOut">
               <a:rPr lang="de-CH" smtClean="0"/>
-              <a:t>13.12.2025</a:t>
+              <a:t>14.12.2025</a:t>
             </a:fld>
             <a:endParaRPr lang="de-CH"/>
           </a:p>
@@ -3906,7 +3918,7 @@
           <a:p>
             <a:fld id="{2D9265ED-3E02-4D33-BBF1-61BB7F933016}" type="slidenum">
               <a:rPr lang="de-CH" smtClean="0"/>
-              <a:t>‹Nr.›</a:t>
+              <a:t>‹#›</a:t>
             </a:fld>
             <a:endParaRPr lang="de-CH"/>
           </a:p>
@@ -3915,7 +3927,7 @@
     </p:spTree>
     <p:extLst>
       <p:ext uri="{BB962C8B-B14F-4D97-AF65-F5344CB8AC3E}">
-        <p14:creationId xmlns:p14="http://schemas.microsoft.com/office/powerpoint/2010/main" val="1639091824"/>
+        <p14:creationId xmlns:p14="http://schemas.microsoft.com/office/powerpoint/2010/main" val="2748462530"/>
       </p:ext>
     </p:extLst>
   </p:cSld>
@@ -4144,7 +4156,7 @@
           <a:p>
             <a:fld id="{84F5F873-595F-43C1-AD02-E65AEE3A159F}" type="datetimeFigureOut">
               <a:rPr lang="de-CH" smtClean="0"/>
-              <a:t>13.12.2025</a:t>
+              <a:t>14.12.2025</a:t>
             </a:fld>
             <a:endParaRPr lang="de-CH"/>
           </a:p>
@@ -4186,7 +4198,7 @@
           <a:p>
             <a:fld id="{2D9265ED-3E02-4D33-BBF1-61BB7F933016}" type="slidenum">
               <a:rPr lang="de-CH" smtClean="0"/>
-              <a:t>‹Nr.›</a:t>
+              <a:t>‹#›</a:t>
             </a:fld>
             <a:endParaRPr lang="de-CH"/>
           </a:p>
@@ -4195,7 +4207,7 @@
     </p:spTree>
     <p:extLst>
       <p:ext uri="{BB962C8B-B14F-4D97-AF65-F5344CB8AC3E}">
-        <p14:creationId xmlns:p14="http://schemas.microsoft.com/office/powerpoint/2010/main" val="2754415086"/>
+        <p14:creationId xmlns:p14="http://schemas.microsoft.com/office/powerpoint/2010/main" val="1888007359"/>
       </p:ext>
     </p:extLst>
   </p:cSld>
@@ -4411,7 +4423,7 @@
           <a:p>
             <a:fld id="{84F5F873-595F-43C1-AD02-E65AEE3A159F}" type="datetimeFigureOut">
               <a:rPr lang="de-CH" smtClean="0"/>
-              <a:t>13.12.2025</a:t>
+              <a:t>14.12.2025</a:t>
             </a:fld>
             <a:endParaRPr lang="de-CH"/>
           </a:p>
@@ -4453,7 +4465,7 @@
           <a:p>
             <a:fld id="{2D9265ED-3E02-4D33-BBF1-61BB7F933016}" type="slidenum">
               <a:rPr lang="de-CH" smtClean="0"/>
-              <a:t>‹Nr.›</a:t>
+              <a:t>‹#›</a:t>
             </a:fld>
             <a:endParaRPr lang="de-CH"/>
           </a:p>
@@ -4462,7 +4474,7 @@
     </p:spTree>
     <p:extLst>
       <p:ext uri="{BB962C8B-B14F-4D97-AF65-F5344CB8AC3E}">
-        <p14:creationId xmlns:p14="http://schemas.microsoft.com/office/powerpoint/2010/main" val="1062303566"/>
+        <p14:creationId xmlns:p14="http://schemas.microsoft.com/office/powerpoint/2010/main" val="536168793"/>
       </p:ext>
     </p:extLst>
   </p:cSld>
@@ -4826,7 +4838,7 @@
           <a:p>
             <a:fld id="{84F5F873-595F-43C1-AD02-E65AEE3A159F}" type="datetimeFigureOut">
               <a:rPr lang="de-CH" smtClean="0"/>
-              <a:t>13.12.2025</a:t>
+              <a:t>14.12.2025</a:t>
             </a:fld>
             <a:endParaRPr lang="de-CH"/>
           </a:p>
@@ -4868,7 +4880,7 @@
           <a:p>
             <a:fld id="{2D9265ED-3E02-4D33-BBF1-61BB7F933016}" type="slidenum">
               <a:rPr lang="de-CH" smtClean="0"/>
-              <a:t>‹Nr.›</a:t>
+              <a:t>‹#›</a:t>
             </a:fld>
             <a:endParaRPr lang="de-CH"/>
           </a:p>
@@ -4877,7 +4889,7 @@
     </p:spTree>
     <p:extLst>
       <p:ext uri="{BB962C8B-B14F-4D97-AF65-F5344CB8AC3E}">
-        <p14:creationId xmlns:p14="http://schemas.microsoft.com/office/powerpoint/2010/main" val="4077153695"/>
+        <p14:creationId xmlns:p14="http://schemas.microsoft.com/office/powerpoint/2010/main" val="791613007"/>
       </p:ext>
     </p:extLst>
   </p:cSld>
@@ -4974,7 +4986,7 @@
           <a:p>
             <a:fld id="{84F5F873-595F-43C1-AD02-E65AEE3A159F}" type="datetimeFigureOut">
               <a:rPr lang="de-CH" smtClean="0"/>
-              <a:t>13.12.2025</a:t>
+              <a:t>14.12.2025</a:t>
             </a:fld>
             <a:endParaRPr lang="de-CH"/>
           </a:p>
@@ -5016,7 +5028,7 @@
           <a:p>
             <a:fld id="{2D9265ED-3E02-4D33-BBF1-61BB7F933016}" type="slidenum">
               <a:rPr lang="de-CH" smtClean="0"/>
-              <a:t>‹Nr.›</a:t>
+              <a:t>‹#›</a:t>
             </a:fld>
             <a:endParaRPr lang="de-CH"/>
           </a:p>
@@ -5025,7 +5037,7 @@
     </p:spTree>
     <p:extLst>
       <p:ext uri="{BB962C8B-B14F-4D97-AF65-F5344CB8AC3E}">
-        <p14:creationId xmlns:p14="http://schemas.microsoft.com/office/powerpoint/2010/main" val="3114127268"/>
+        <p14:creationId xmlns:p14="http://schemas.microsoft.com/office/powerpoint/2010/main" val="3293055362"/>
       </p:ext>
     </p:extLst>
   </p:cSld>
@@ -5099,7 +5111,7 @@
           <a:p>
             <a:fld id="{84F5F873-595F-43C1-AD02-E65AEE3A159F}" type="datetimeFigureOut">
               <a:rPr lang="de-CH" smtClean="0"/>
-              <a:t>13.12.2025</a:t>
+              <a:t>14.12.2025</a:t>
             </a:fld>
             <a:endParaRPr lang="de-CH"/>
           </a:p>
@@ -5141,7 +5153,7 @@
           <a:p>
             <a:fld id="{2D9265ED-3E02-4D33-BBF1-61BB7F933016}" type="slidenum">
               <a:rPr lang="de-CH" smtClean="0"/>
-              <a:t>‹Nr.›</a:t>
+              <a:t>‹#›</a:t>
             </a:fld>
             <a:endParaRPr lang="de-CH"/>
           </a:p>
@@ -5150,7 +5162,7 @@
     </p:spTree>
     <p:extLst>
       <p:ext uri="{BB962C8B-B14F-4D97-AF65-F5344CB8AC3E}">
-        <p14:creationId xmlns:p14="http://schemas.microsoft.com/office/powerpoint/2010/main" val="3296032386"/>
+        <p14:creationId xmlns:p14="http://schemas.microsoft.com/office/powerpoint/2010/main" val="149703735"/>
       </p:ext>
     </p:extLst>
   </p:cSld>
@@ -5378,7 +5390,7 @@
           <a:p>
             <a:fld id="{84F5F873-595F-43C1-AD02-E65AEE3A159F}" type="datetimeFigureOut">
               <a:rPr lang="de-CH" smtClean="0"/>
-              <a:t>13.12.2025</a:t>
+              <a:t>14.12.2025</a:t>
             </a:fld>
             <a:endParaRPr lang="de-CH"/>
           </a:p>
@@ -5420,7 +5432,7 @@
           <a:p>
             <a:fld id="{2D9265ED-3E02-4D33-BBF1-61BB7F933016}" type="slidenum">
               <a:rPr lang="de-CH" smtClean="0"/>
-              <a:t>‹Nr.›</a:t>
+              <a:t>‹#›</a:t>
             </a:fld>
             <a:endParaRPr lang="de-CH"/>
           </a:p>
@@ -5429,7 +5441,7 @@
     </p:spTree>
     <p:extLst>
       <p:ext uri="{BB962C8B-B14F-4D97-AF65-F5344CB8AC3E}">
-        <p14:creationId xmlns:p14="http://schemas.microsoft.com/office/powerpoint/2010/main" val="1338369446"/>
+        <p14:creationId xmlns:p14="http://schemas.microsoft.com/office/powerpoint/2010/main" val="3483288187"/>
       </p:ext>
     </p:extLst>
   </p:cSld>
@@ -5541,10 +5553,7 @@
           <a:noFill/>
           <a:ln w="82550" cap="sq">
             <a:solidFill>
-              <a:schemeClr val="bg2">
-                <a:lumMod val="60000"/>
-                <a:lumOff val="40000"/>
-              </a:schemeClr>
+              <a:srgbClr val="EAEAEA"/>
             </a:solidFill>
             <a:miter lim="800000"/>
           </a:ln>
@@ -5693,7 +5702,7 @@
           <a:p>
             <a:fld id="{84F5F873-595F-43C1-AD02-E65AEE3A159F}" type="datetimeFigureOut">
               <a:rPr lang="de-CH" smtClean="0"/>
-              <a:t>13.12.2025</a:t>
+              <a:t>14.12.2025</a:t>
             </a:fld>
             <a:endParaRPr lang="de-CH"/>
           </a:p>
@@ -5735,7 +5744,7 @@
           <a:p>
             <a:fld id="{2D9265ED-3E02-4D33-BBF1-61BB7F933016}" type="slidenum">
               <a:rPr lang="de-CH" smtClean="0"/>
-              <a:t>‹Nr.›</a:t>
+              <a:t>‹#›</a:t>
             </a:fld>
             <a:endParaRPr lang="de-CH"/>
           </a:p>
@@ -5744,7 +5753,7 @@
     </p:spTree>
     <p:extLst>
       <p:ext uri="{BB962C8B-B14F-4D97-AF65-F5344CB8AC3E}">
-        <p14:creationId xmlns:p14="http://schemas.microsoft.com/office/powerpoint/2010/main" val="1472317419"/>
+        <p14:creationId xmlns:p14="http://schemas.microsoft.com/office/powerpoint/2010/main" val="3946387674"/>
       </p:ext>
     </p:extLst>
   </p:cSld>
@@ -5758,8 +5767,8 @@
 <p:sldMaster xmlns:a="http://schemas.openxmlformats.org/drawingml/2006/main" xmlns:r="http://schemas.openxmlformats.org/officeDocument/2006/relationships" xmlns:p="http://schemas.openxmlformats.org/presentationml/2006/main">
   <p:cSld>
     <p:bg>
-      <p:bgRef idx="1003">
-        <a:schemeClr val="bg2"/>
+      <p:bgRef idx="1002">
+        <a:schemeClr val="bg1"/>
       </p:bgRef>
     </p:bg>
     <p:spTree>
@@ -5786,7 +5795,7 @@
         </p:nvPicPr>
         <p:blipFill>
           <a:blip r:embed="rId20">
-            <a:alphaModFix amt="80000"/>
+            <a:alphaModFix/>
             <a:extLst>
               <a:ext uri="{28A0092B-C50C-407E-A947-70E740481C1C}">
                 <a14:useLocalDpi xmlns:a14="http://schemas.microsoft.com/office/drawing/2010/main" val="0"/>
@@ -5800,7 +5809,7 @@
         </p:blipFill>
         <p:spPr bwMode="auto">
           <a:xfrm>
-            <a:off x="0" y="0"/>
+            <a:off x="0" y="-1"/>
             <a:ext cx="12192003" cy="6858001"/>
           </a:xfrm>
           <a:prstGeom prst="rect">
@@ -5946,7 +5955,7 @@
           <a:p>
             <a:fld id="{84F5F873-595F-43C1-AD02-E65AEE3A159F}" type="datetimeFigureOut">
               <a:rPr lang="de-CH" smtClean="0"/>
-              <a:t>13.12.2025</a:t>
+              <a:t>14.12.2025</a:t>
             </a:fld>
             <a:endParaRPr lang="de-CH"/>
           </a:p>
@@ -6020,7 +6029,7 @@
           <a:p>
             <a:fld id="{2D9265ED-3E02-4D33-BBF1-61BB7F933016}" type="slidenum">
               <a:rPr lang="de-CH" smtClean="0"/>
-              <a:t>‹Nr.›</a:t>
+              <a:t>‹#›</a:t>
             </a:fld>
             <a:endParaRPr lang="de-CH"/>
           </a:p>
@@ -6029,30 +6038,30 @@
     </p:spTree>
     <p:extLst>
       <p:ext uri="{BB962C8B-B14F-4D97-AF65-F5344CB8AC3E}">
-        <p14:creationId xmlns:p14="http://schemas.microsoft.com/office/powerpoint/2010/main" val="2551373698"/>
+        <p14:creationId xmlns:p14="http://schemas.microsoft.com/office/powerpoint/2010/main" val="1263676248"/>
       </p:ext>
     </p:extLst>
   </p:cSld>
   <p:clrMap bg1="lt1" tx1="dk1" bg2="lt2" tx2="dk2" accent1="accent1" accent2="accent2" accent3="accent3" accent4="accent4" accent5="accent5" accent6="accent6" hlink="hlink" folHlink="folHlink"/>
   <p:sldLayoutIdLst>
-    <p:sldLayoutId id="2147483680" r:id="rId1"/>
-    <p:sldLayoutId id="2147483681" r:id="rId2"/>
-    <p:sldLayoutId id="2147483682" r:id="rId3"/>
-    <p:sldLayoutId id="2147483683" r:id="rId4"/>
-    <p:sldLayoutId id="2147483684" r:id="rId5"/>
-    <p:sldLayoutId id="2147483685" r:id="rId6"/>
-    <p:sldLayoutId id="2147483686" r:id="rId7"/>
-    <p:sldLayoutId id="2147483687" r:id="rId8"/>
-    <p:sldLayoutId id="2147483688" r:id="rId9"/>
-    <p:sldLayoutId id="2147483689" r:id="rId10"/>
-    <p:sldLayoutId id="2147483690" r:id="rId11"/>
-    <p:sldLayoutId id="2147483691" r:id="rId12"/>
-    <p:sldLayoutId id="2147483692" r:id="rId13"/>
-    <p:sldLayoutId id="2147483693" r:id="rId14"/>
-    <p:sldLayoutId id="2147483694" r:id="rId15"/>
-    <p:sldLayoutId id="2147483695" r:id="rId16"/>
-    <p:sldLayoutId id="2147483696" r:id="rId17"/>
-    <p:sldLayoutId id="2147483697" r:id="rId18"/>
+    <p:sldLayoutId id="2147483699" r:id="rId1"/>
+    <p:sldLayoutId id="2147483700" r:id="rId2"/>
+    <p:sldLayoutId id="2147483701" r:id="rId3"/>
+    <p:sldLayoutId id="2147483702" r:id="rId4"/>
+    <p:sldLayoutId id="2147483703" r:id="rId5"/>
+    <p:sldLayoutId id="2147483704" r:id="rId6"/>
+    <p:sldLayoutId id="2147483705" r:id="rId7"/>
+    <p:sldLayoutId id="2147483706" r:id="rId8"/>
+    <p:sldLayoutId id="2147483707" r:id="rId9"/>
+    <p:sldLayoutId id="2147483708" r:id="rId10"/>
+    <p:sldLayoutId id="2147483709" r:id="rId11"/>
+    <p:sldLayoutId id="2147483710" r:id="rId12"/>
+    <p:sldLayoutId id="2147483711" r:id="rId13"/>
+    <p:sldLayoutId id="2147483712" r:id="rId14"/>
+    <p:sldLayoutId id="2147483713" r:id="rId15"/>
+    <p:sldLayoutId id="2147483714" r:id="rId16"/>
+    <p:sldLayoutId id="2147483715" r:id="rId17"/>
+    <p:sldLayoutId id="2147483716" r:id="rId18"/>
   </p:sldLayoutIdLst>
   <p:txStyles>
     <p:titleStyle>
@@ -7048,48 +7057,6 @@
           </a:fontRef>
         </p:style>
       </p:cxnSp>
-      <p:cxnSp>
-        <p:nvCxnSpPr>
-          <p:cNvPr id="92" name="Verbinder: gewinkelt 34">
-            <a:extLst>
-              <a:ext uri="{FF2B5EF4-FFF2-40B4-BE49-F238E27FC236}">
-                <a16:creationId xmlns:a16="http://schemas.microsoft.com/office/drawing/2014/main" id="{58317EA6-07CF-56FF-0ED2-EC9DC1F8CBFB}"/>
-              </a:ext>
-            </a:extLst>
-          </p:cNvPr>
-          <p:cNvCxnSpPr>
-            <a:cxnSpLocks/>
-            <a:endCxn id="5" idx="3"/>
-          </p:cNvCxnSpPr>
-          <p:nvPr/>
-        </p:nvCxnSpPr>
-        <p:spPr>
-          <a:xfrm rot="16200000" flipV="1">
-            <a:off x="5784412" y="3380106"/>
-            <a:ext cx="2998349" cy="755434"/>
-          </a:xfrm>
-          <a:prstGeom prst="bentConnector2">
-            <a:avLst/>
-          </a:prstGeom>
-          <a:ln>
-            <a:tailEnd type="triangle"/>
-          </a:ln>
-        </p:spPr>
-        <p:style>
-          <a:lnRef idx="2">
-            <a:schemeClr val="accent1"/>
-          </a:lnRef>
-          <a:fillRef idx="0">
-            <a:schemeClr val="accent1"/>
-          </a:fillRef>
-          <a:effectRef idx="1">
-            <a:schemeClr val="accent1"/>
-          </a:effectRef>
-          <a:fontRef idx="minor">
-            <a:schemeClr val="tx1"/>
-          </a:fontRef>
-        </p:style>
-      </p:cxnSp>
       <p:sp>
         <p:nvSpPr>
           <p:cNvPr id="95" name="Textfeld 4">
@@ -7408,34 +7375,34 @@
         <a:sysClr val="window" lastClr="FFFFFF"/>
       </a:lt1>
       <a:dk2>
-        <a:srgbClr val="27537E"/>
+        <a:srgbClr val="355071"/>
       </a:dk2>
       <a:lt2>
         <a:srgbClr val="AABED7"/>
       </a:lt2>
       <a:accent1>
-        <a:srgbClr val="E34B7A"/>
+        <a:srgbClr val="2FA3EE"/>
       </a:accent1>
       <a:accent2>
-        <a:srgbClr val="AC339A"/>
+        <a:srgbClr val="4BCAAD"/>
       </a:accent2>
       <a:accent3>
-        <a:srgbClr val="6953B7"/>
+        <a:srgbClr val="86C157"/>
       </a:accent3>
       <a:accent4>
-        <a:srgbClr val="1D7EAB"/>
+        <a:srgbClr val="D99C3F"/>
       </a:accent4>
       <a:accent5>
-        <a:srgbClr val="43AFD6"/>
+        <a:srgbClr val="CE6633"/>
       </a:accent5>
       <a:accent6>
-        <a:srgbClr val="DE85E1"/>
+        <a:srgbClr val="A35DD1"/>
       </a:accent6>
       <a:hlink>
-        <a:srgbClr val="ED87A6"/>
+        <a:srgbClr val="56BCFE"/>
       </a:hlink>
       <a:folHlink>
-        <a:srgbClr val="C99EAC"/>
+        <a:srgbClr val="97C5E3"/>
       </a:folHlink>
     </a:clrScheme>
     <a:fontScheme name="Droplet">
@@ -7631,18 +7598,18 @@
           <a:gsLst>
             <a:gs pos="0">
               <a:schemeClr val="phClr">
-                <a:tint val="78000"/>
+                <a:tint val="84000"/>
                 <a:shade val="100000"/>
-                <a:hueMod val="136000"/>
-                <a:satMod val="160000"/>
-                <a:lumMod val="105000"/>
+                <a:hueMod val="130000"/>
+                <a:satMod val="150000"/>
+                <a:lumMod val="112000"/>
               </a:schemeClr>
             </a:gs>
             <a:gs pos="100000">
               <a:schemeClr val="phClr">
                 <a:shade val="92000"/>
-                <a:satMod val="170000"/>
-                <a:lumMod val="96000"/>
+                <a:satMod val="140000"/>
+                <a:lumMod val="110000"/>
               </a:schemeClr>
             </a:gs>
           </a:gsLst>
@@ -7655,7 +7622,7 @@
   <a:extraClrSchemeLst/>
   <a:extLst>
     <a:ext uri="{05A4C25C-085E-4340-85A3-A5531E510DB2}">
-      <thm15:themeFamily xmlns:thm15="http://schemas.microsoft.com/office/thememl/2012/main" name="Droplet" id="{8984A317-299A-4E50-B45D-BFC9EDE2337A}" vid="{C71B277C-C29A-4BA0-A7BA-43502DF21AB3}"/>
+      <thm15:themeFamily xmlns:thm15="http://schemas.microsoft.com/office/thememl/2012/main" name="Droplet" id="{8984A317-299A-4E50-B45D-BFC9EDE2337A}" vid="{A633B6A3-9E7F-4C10-9C98-2517A3134361}"/>
     </a:ext>
   </a:extLst>
 </a:theme>
